--- a/doc/yahor/Ziro_Server.pptx
+++ b/doc/yahor/Ziro_Server.pptx
@@ -744,7 +744,7 @@
           <a:p>
             <a:fld id="{B4C71EC6-210F-42DE-9C53-41977AD35B3D}" type="datetimeFigureOut">
               <a:rPr lang="ru-RU" smtClean="0"/>
-              <a:t>08.06.2019</a:t>
+              <a:t>11.06.2019</a:t>
             </a:fld>
             <a:endParaRPr lang="ru-RU"/>
           </a:p>
@@ -940,7 +940,7 @@
           <a:p>
             <a:fld id="{B4C71EC6-210F-42DE-9C53-41977AD35B3D}" type="datetimeFigureOut">
               <a:rPr lang="ru-RU" smtClean="0"/>
-              <a:t>08.06.2019</a:t>
+              <a:t>11.06.2019</a:t>
             </a:fld>
             <a:endParaRPr lang="ru-RU"/>
           </a:p>
@@ -1125,7 +1125,7 @@
           <a:p>
             <a:fld id="{B4C71EC6-210F-42DE-9C53-41977AD35B3D}" type="datetimeFigureOut">
               <a:rPr lang="ru-RU" smtClean="0"/>
-              <a:t>08.06.2019</a:t>
+              <a:t>11.06.2019</a:t>
             </a:fld>
             <a:endParaRPr lang="ru-RU"/>
           </a:p>
@@ -1275,7 +1275,7 @@
           <a:p>
             <a:fld id="{B4C71EC6-210F-42DE-9C53-41977AD35B3D}" type="datetimeFigureOut">
               <a:rPr lang="ru-RU" smtClean="0"/>
-              <a:t>08.06.2019</a:t>
+              <a:t>11.06.2019</a:t>
             </a:fld>
             <a:endParaRPr lang="ru-RU"/>
           </a:p>
@@ -1530,7 +1530,7 @@
           <a:p>
             <a:fld id="{B4C71EC6-210F-42DE-9C53-41977AD35B3D}" type="datetimeFigureOut">
               <a:rPr lang="ru-RU" smtClean="0"/>
-              <a:t>08.06.2019</a:t>
+              <a:t>11.06.2019</a:t>
             </a:fld>
             <a:endParaRPr lang="ru-RU"/>
           </a:p>
@@ -1939,7 +1939,7 @@
           <a:p>
             <a:fld id="{B4C71EC6-210F-42DE-9C53-41977AD35B3D}" type="datetimeFigureOut">
               <a:rPr lang="ru-RU" smtClean="0"/>
-              <a:t>08.06.2019</a:t>
+              <a:t>11.06.2019</a:t>
             </a:fld>
             <a:endParaRPr lang="ru-RU"/>
           </a:p>
@@ -2385,7 +2385,7 @@
           <a:p>
             <a:fld id="{B4C71EC6-210F-42DE-9C53-41977AD35B3D}" type="datetimeFigureOut">
               <a:rPr lang="ru-RU" smtClean="0"/>
-              <a:t>08.06.2019</a:t>
+              <a:t>11.06.2019</a:t>
             </a:fld>
             <a:endParaRPr lang="ru-RU"/>
           </a:p>
@@ -2486,7 +2486,7 @@
           <a:p>
             <a:fld id="{B4C71EC6-210F-42DE-9C53-41977AD35B3D}" type="datetimeFigureOut">
               <a:rPr lang="ru-RU" smtClean="0"/>
-              <a:t>08.06.2019</a:t>
+              <a:t>11.06.2019</a:t>
             </a:fld>
             <a:endParaRPr lang="ru-RU"/>
           </a:p>
@@ -2607,7 +2607,7 @@
           <a:p>
             <a:fld id="{B4C71EC6-210F-42DE-9C53-41977AD35B3D}" type="datetimeFigureOut">
               <a:rPr lang="ru-RU" smtClean="0"/>
-              <a:t>08.06.2019</a:t>
+              <a:t>11.06.2019</a:t>
             </a:fld>
             <a:endParaRPr lang="ru-RU"/>
           </a:p>
@@ -2881,7 +2881,7 @@
           <a:p>
             <a:fld id="{B4C71EC6-210F-42DE-9C53-41977AD35B3D}" type="datetimeFigureOut">
               <a:rPr lang="ru-RU" smtClean="0"/>
-              <a:t>08.06.2019</a:t>
+              <a:t>11.06.2019</a:t>
             </a:fld>
             <a:endParaRPr lang="ru-RU"/>
           </a:p>
@@ -3086,7 +3086,7 @@
           <a:p>
             <a:fld id="{B4C71EC6-210F-42DE-9C53-41977AD35B3D}" type="datetimeFigureOut">
               <a:rPr lang="ru-RU" smtClean="0"/>
-              <a:t>08.06.2019</a:t>
+              <a:t>11.06.2019</a:t>
             </a:fld>
             <a:endParaRPr lang="ru-RU"/>
           </a:p>
@@ -4195,7 +4195,7 @@
           <a:p>
             <a:fld id="{B4C71EC6-210F-42DE-9C53-41977AD35B3D}" type="datetimeFigureOut">
               <a:rPr lang="ru-RU" smtClean="0"/>
-              <a:t>08.06.2019</a:t>
+              <a:t>11.06.2019</a:t>
             </a:fld>
             <a:endParaRPr lang="ru-RU"/>
           </a:p>
@@ -6533,6 +6533,96 @@
           </a:lstStyle>
           <a:p>
             <a:r>
+              <a:rPr lang="ru-RU" sz="1600" b="0" dirty="0" smtClean="0">
+                <a:effectLst>
+                  <a:outerShdw blurRad="38100" dist="38100" dir="2700000" algn="tl">
+                    <a:srgbClr val="000000">
+                      <a:alpha val="43137"/>
+                    </a:srgbClr>
+                  </a:outerShdw>
+                </a:effectLst>
+              </a:rPr>
+              <a:t>Целью проекта является повышение эффективности и удобства управления программными проектами. </a:t>
+            </a:r>
+            <a:r>
+              <a:rPr lang="ru-RU" sz="1600" b="0" dirty="0" smtClean="0">
+                <a:effectLst>
+                  <a:outerShdw blurRad="38100" dist="38100" dir="2700000" algn="tl">
+                    <a:srgbClr val="000000">
+                      <a:alpha val="43137"/>
+                    </a:srgbClr>
+                  </a:outerShdw>
+                </a:effectLst>
+              </a:rPr>
+              <a:t>Для достижения этого была создана веб-система предоставляющая необходимый функционал и условия осуществления поставленной цели. При этом в ходе работы над были пройдены следующие этапы</a:t>
+            </a:r>
+            <a:r>
+              <a:rPr lang="ru-RU" sz="1600" b="0" dirty="0" smtClean="0">
+                <a:effectLst>
+                  <a:outerShdw blurRad="38100" dist="38100" dir="2700000" algn="tl">
+                    <a:srgbClr val="000000">
+                      <a:alpha val="43137"/>
+                    </a:srgbClr>
+                  </a:outerShdw>
+                </a:effectLst>
+              </a:rPr>
+              <a:t>:</a:t>
+            </a:r>
+          </a:p>
+          <a:p>
+            <a:pPr marL="285750" indent="-285750">
+              <a:buFont typeface="Wingdings" panose="05000000000000000000" pitchFamily="2" charset="2"/>
+              <a:buChar char="Ø"/>
+            </a:pPr>
+            <a:r>
+              <a:rPr lang="ru-RU" sz="1600" b="0" dirty="0" smtClean="0">
+                <a:effectLst>
+                  <a:outerShdw blurRad="38100" dist="38100" dir="2700000" algn="tl">
+                    <a:srgbClr val="000000">
+                      <a:alpha val="43137"/>
+                    </a:srgbClr>
+                  </a:outerShdw>
+                </a:effectLst>
+              </a:rPr>
+              <a:t>анализ и определение необходимых требований, функционала и свойств системы для осуществления эффективной деятельности по управлению программными проектами;</a:t>
+            </a:r>
+          </a:p>
+          <a:p>
+            <a:pPr marL="285750" indent="-285750">
+              <a:buFont typeface="Wingdings" panose="05000000000000000000" pitchFamily="2" charset="2"/>
+              <a:buChar char="Ø"/>
+            </a:pPr>
+            <a:r>
+              <a:rPr lang="ru-RU" sz="1600" b="0" dirty="0" smtClean="0">
+                <a:effectLst>
+                  <a:outerShdw blurRad="38100" dist="38100" dir="2700000" algn="tl">
+                    <a:srgbClr val="000000">
+                      <a:alpha val="43137"/>
+                    </a:srgbClr>
+                  </a:outerShdw>
+                </a:effectLst>
+              </a:rPr>
+              <a:t>физической проектирование системы;</a:t>
+            </a:r>
+          </a:p>
+          <a:p>
+            <a:pPr marL="285750" indent="-285750">
+              <a:buFont typeface="Wingdings" panose="05000000000000000000" pitchFamily="2" charset="2"/>
+              <a:buChar char="Ø"/>
+            </a:pPr>
+            <a:r>
+              <a:rPr lang="ru-RU" sz="1600" b="0" dirty="0" smtClean="0">
+                <a:effectLst>
+                  <a:outerShdw blurRad="38100" dist="38100" dir="2700000" algn="tl">
+                    <a:srgbClr val="000000">
+                      <a:alpha val="43137"/>
+                    </a:srgbClr>
+                  </a:outerShdw>
+                </a:effectLst>
+              </a:rPr>
+              <a:t>реализация базы </a:t>
+            </a:r>
+            <a:r>
               <a:rPr lang="ru-RU" sz="1600" b="0" dirty="0">
                 <a:effectLst>
                   <a:outerShdw blurRad="38100" dist="38100" dir="2700000" algn="tl">
@@ -6542,10 +6632,10 @@
                   </a:outerShdw>
                 </a:effectLst>
               </a:rPr>
-              <a:t>В процессе выполнения дипломного проекта была создана база данных и веб-сервер для системы управления проектами </a:t>
-            </a:r>
-            <a:r>
-              <a:rPr lang="ru-RU" sz="1600" b="0" dirty="0" err="1">
+              <a:t>данных и </a:t>
+            </a:r>
+            <a:r>
+              <a:rPr lang="ru-RU" sz="1600" b="0" dirty="0" smtClean="0">
                 <a:effectLst>
                   <a:outerShdw blurRad="38100" dist="38100" dir="2700000" algn="tl">
                     <a:srgbClr val="000000">
@@ -6554,7 +6644,7 @@
                   </a:outerShdw>
                 </a:effectLst>
               </a:rPr>
-              <a:t>Ziro</a:t>
+              <a:t>серверного модуля, предоставляющего </a:t>
             </a:r>
             <a:r>
               <a:rPr lang="ru-RU" sz="1600" b="0" dirty="0">
@@ -6566,7 +6656,7 @@
                   </a:outerShdw>
                 </a:effectLst>
               </a:rPr>
-              <a:t>, предоставляющий API интерфейс для клиентских частей </a:t>
+              <a:t>весь необходимый функционал для эффективного управления программными проектами, с учетом всех требований, определенных в постановке задачи</a:t>
             </a:r>
             <a:r>
               <a:rPr lang="ru-RU" sz="1600" b="0" dirty="0" smtClean="0">
@@ -6578,7 +6668,37 @@
                   </a:outerShdw>
                 </a:effectLst>
               </a:rPr>
-              <a:t>системы</a:t>
+              <a:t>;</a:t>
+            </a:r>
+            <a:r>
+              <a:rPr lang="ru-RU" sz="1600" b="0" dirty="0" smtClean="0">
+                <a:effectLst>
+                  <a:outerShdw blurRad="38100" dist="38100" dir="2700000" algn="tl">
+                    <a:srgbClr val="000000">
+                      <a:alpha val="43137"/>
+                    </a:srgbClr>
+                  </a:outerShdw>
+                </a:effectLst>
+              </a:rPr>
+              <a:t> </a:t>
+            </a:r>
+          </a:p>
+          <a:p>
+            <a:pPr marL="285750" indent="-285750">
+              <a:buFont typeface="Wingdings" panose="05000000000000000000" pitchFamily="2" charset="2"/>
+              <a:buChar char="Ø"/>
+            </a:pPr>
+            <a:r>
+              <a:rPr lang="ru-RU" sz="1600" b="0" dirty="0" smtClean="0">
+                <a:effectLst>
+                  <a:outerShdw blurRad="38100" dist="38100" dir="2700000" algn="tl">
+                    <a:srgbClr val="000000">
+                      <a:alpha val="43137"/>
+                    </a:srgbClr>
+                  </a:outerShdw>
+                </a:effectLst>
+              </a:rPr>
+              <a:t>успешная интеграция серверной части с </a:t>
             </a:r>
             <a:r>
               <a:rPr lang="ru-RU" sz="1600" b="0" dirty="0">
@@ -6590,7 +6710,7 @@
                   </a:outerShdw>
                 </a:effectLst>
               </a:rPr>
-              <a:t>. </a:t>
+              <a:t>результатами разработки клиентских частей </a:t>
             </a:r>
             <a:r>
               <a:rPr lang="ru-RU" sz="1600" b="0" dirty="0" smtClean="0">
@@ -6602,7 +6722,25 @@
                   </a:outerShdw>
                 </a:effectLst>
               </a:rPr>
-              <a:t>Разработанная </a:t>
+              <a:t>системы; </a:t>
+            </a:r>
+          </a:p>
+          <a:p>
+            <a:pPr marL="285750" indent="-285750">
+              <a:buFont typeface="Wingdings" panose="05000000000000000000" pitchFamily="2" charset="2"/>
+              <a:buChar char="Ø"/>
+            </a:pPr>
+            <a:r>
+              <a:rPr lang="ru-RU" sz="1600" b="0" dirty="0" smtClean="0">
+                <a:effectLst>
+                  <a:outerShdw blurRad="38100" dist="38100" dir="2700000" algn="tl">
+                    <a:srgbClr val="000000">
+                      <a:alpha val="43137"/>
+                    </a:srgbClr>
+                  </a:outerShdw>
+                </a:effectLst>
+              </a:rPr>
+              <a:t>развертывание веб-системы на </a:t>
             </a:r>
             <a:r>
               <a:rPr lang="ru-RU" sz="1600" b="0" dirty="0">
@@ -6614,10 +6752,10 @@
                   </a:outerShdw>
                 </a:effectLst>
               </a:rPr>
-              <a:t>серверная часть успешно интегрировалась с результатами разработки клиентских частей системы. В результате полученная система была успешно развернута на облачной платформе </a:t>
-            </a:r>
-            <a:r>
-              <a:rPr lang="ru-RU" sz="1600" b="0" dirty="0" err="1">
+              <a:t>облачной платформе </a:t>
+            </a:r>
+            <a:r>
+              <a:rPr lang="ru-RU" sz="1600" b="0" dirty="0" err="1" smtClean="0">
                 <a:effectLst>
                   <a:outerShdw blurRad="38100" dist="38100" dir="2700000" algn="tl">
                     <a:srgbClr val="000000">
@@ -6629,18 +6767,6 @@
               <a:t>Azure</a:t>
             </a:r>
             <a:r>
-              <a:rPr lang="ru-RU" sz="1600" b="0" dirty="0">
-                <a:effectLst>
-                  <a:outerShdw blurRad="38100" dist="38100" dir="2700000" algn="tl">
-                    <a:srgbClr val="000000">
-                      <a:alpha val="43137"/>
-                    </a:srgbClr>
-                  </a:outerShdw>
-                </a:effectLst>
-              </a:rPr>
-              <a:t>. Основной функционал доступный при работе с </a:t>
-            </a:r>
-            <a:r>
               <a:rPr lang="ru-RU" sz="1600" b="0" dirty="0" smtClean="0">
                 <a:effectLst>
                   <a:outerShdw blurRad="38100" dist="38100" dir="2700000" algn="tl">
@@ -6650,16 +6776,16 @@
                   </a:outerShdw>
                 </a:effectLst>
               </a:rPr>
-              <a:t>системой:</a:t>
-            </a:r>
-          </a:p>
-          <a:p>
-            <a:pPr marL="285750" lvl="0" indent="-285750">
+              <a:t>;</a:t>
+            </a:r>
+          </a:p>
+          <a:p>
+            <a:pPr marL="285750" indent="-285750">
               <a:buFont typeface="Wingdings" panose="05000000000000000000" pitchFamily="2" charset="2"/>
               <a:buChar char="Ø"/>
             </a:pPr>
             <a:r>
-              <a:rPr lang="ru-RU" sz="1600" b="0" i="1" dirty="0">
+              <a:rPr lang="ru-RU" sz="1600" b="0" dirty="0" smtClean="0">
                 <a:effectLst>
                   <a:outerShdw blurRad="38100" dist="38100" dir="2700000" algn="tl">
                     <a:srgbClr val="000000">
@@ -6668,16 +6794,21 @@
                   </a:outerShdw>
                 </a:effectLst>
               </a:rPr>
-              <a:t>аутентификация и авторизация пользователей в системе;</a:t>
-            </a:r>
-          </a:p>
-          <a:p>
-            <a:pPr marL="285750" lvl="0" indent="-285750">
-              <a:buFont typeface="Wingdings" panose="05000000000000000000" pitchFamily="2" charset="2"/>
-              <a:buChar char="Ø"/>
-            </a:pPr>
-            <a:r>
-              <a:rPr lang="ru-RU" sz="1600" b="0" i="1" dirty="0">
+              <a:t>тестирование системы и определение экономического эффекта от ее использования.</a:t>
+            </a:r>
+            <a:endParaRPr lang="ru-RU" sz="1600" b="0" dirty="0">
+              <a:effectLst>
+                <a:outerShdw blurRad="38100" dist="38100" dir="2700000" algn="tl">
+                  <a:srgbClr val="000000">
+                    <a:alpha val="43137"/>
+                  </a:srgbClr>
+                </a:outerShdw>
+              </a:effectLst>
+            </a:endParaRPr>
+          </a:p>
+          <a:p>
+            <a:r>
+              <a:rPr lang="ru-RU" sz="1600" b="0" dirty="0" smtClean="0">
                 <a:effectLst>
                   <a:outerShdw blurRad="38100" dist="38100" dir="2700000" algn="tl">
                     <a:srgbClr val="000000">
@@ -6686,16 +6817,10 @@
                   </a:outerShdw>
                 </a:effectLst>
               </a:rPr>
-              <a:t>управление доступом пользователей в режиме администратора;</a:t>
-            </a:r>
-          </a:p>
-          <a:p>
-            <a:pPr marL="285750" lvl="0" indent="-285750">
-              <a:buFont typeface="Wingdings" panose="05000000000000000000" pitchFamily="2" charset="2"/>
-              <a:buChar char="Ø"/>
-            </a:pPr>
-            <a:r>
-              <a:rPr lang="ru-RU" sz="1600" b="0" i="1" dirty="0">
+              <a:t>Также были получены навыки по работе с новейшими технологиями (</a:t>
+            </a:r>
+            <a:r>
+              <a:rPr lang="en-US" sz="1600" b="0" dirty="0" smtClean="0">
                 <a:effectLst>
                   <a:outerShdw blurRad="38100" dist="38100" dir="2700000" algn="tl">
                     <a:srgbClr val="000000">
@@ -6704,16 +6829,10 @@
                   </a:outerShdw>
                 </a:effectLst>
               </a:rPr>
-              <a:t>создание проектов в режиме администратора;</a:t>
-            </a:r>
-          </a:p>
-          <a:p>
-            <a:pPr marL="285750" lvl="0" indent="-285750">
-              <a:buFont typeface="Wingdings" panose="05000000000000000000" pitchFamily="2" charset="2"/>
-              <a:buChar char="Ø"/>
-            </a:pPr>
-            <a:r>
-              <a:rPr lang="ru-RU" sz="1600" b="0" i="1" dirty="0">
+              <a:t>ASP.NET Core, </a:t>
+            </a:r>
+            <a:r>
+              <a:rPr lang="en-US" sz="1600" b="0" dirty="0" err="1" smtClean="0">
                 <a:effectLst>
                   <a:outerShdw blurRad="38100" dist="38100" dir="2700000" algn="tl">
                     <a:srgbClr val="000000">
@@ -6722,16 +6841,10 @@
                   </a:outerShdw>
                 </a:effectLst>
               </a:rPr>
-              <a:t>редактирование профиля;</a:t>
-            </a:r>
-          </a:p>
-          <a:p>
-            <a:pPr marL="285750" lvl="0" indent="-285750">
-              <a:buFont typeface="Wingdings" panose="05000000000000000000" pitchFamily="2" charset="2"/>
-              <a:buChar char="Ø"/>
-            </a:pPr>
-            <a:r>
-              <a:rPr lang="ru-RU" sz="1600" b="0" i="1" dirty="0">
+              <a:t>Nhibernate</a:t>
+            </a:r>
+            <a:r>
+              <a:rPr lang="en-US" sz="1600" b="0" dirty="0" smtClean="0">
                 <a:effectLst>
                   <a:outerShdw blurRad="38100" dist="38100" dir="2700000" algn="tl">
                     <a:srgbClr val="000000">
@@ -6740,16 +6853,10 @@
                   </a:outerShdw>
                 </a:effectLst>
               </a:rPr>
-              <a:t>создание и редактирование задач;</a:t>
-            </a:r>
-          </a:p>
-          <a:p>
-            <a:pPr marL="285750" lvl="0" indent="-285750">
-              <a:buFont typeface="Wingdings" panose="05000000000000000000" pitchFamily="2" charset="2"/>
-              <a:buChar char="Ø"/>
-            </a:pPr>
-            <a:r>
-              <a:rPr lang="ru-RU" sz="1600" b="0" i="1" dirty="0">
+              <a:t> 6.8, MSSQL</a:t>
+            </a:r>
+            <a:r>
+              <a:rPr lang="ru-RU" sz="1600" b="0" dirty="0" smtClean="0">
                 <a:effectLst>
                   <a:outerShdw blurRad="38100" dist="38100" dir="2700000" algn="tl">
                     <a:srgbClr val="000000">
@@ -6758,16 +6865,10 @@
                   </a:outerShdw>
                 </a:effectLst>
               </a:rPr>
-              <a:t>формирования списка задач с помощью большого количества фильтров;</a:t>
-            </a:r>
-          </a:p>
-          <a:p>
-            <a:pPr marL="285750" lvl="0" indent="-285750">
-              <a:buFont typeface="Wingdings" panose="05000000000000000000" pitchFamily="2" charset="2"/>
-              <a:buChar char="Ø"/>
-            </a:pPr>
-            <a:r>
-              <a:rPr lang="ru-RU" sz="1600" b="0" i="1" dirty="0">
+              <a:t> 2014</a:t>
+            </a:r>
+            <a:r>
+              <a:rPr lang="en-US" sz="1600" b="0" dirty="0" smtClean="0">
                 <a:effectLst>
                   <a:outerShdw blurRad="38100" dist="38100" dir="2700000" algn="tl">
                     <a:srgbClr val="000000">
@@ -6776,16 +6877,10 @@
                   </a:outerShdw>
                 </a:effectLst>
               </a:rPr>
-              <a:t>обсуждение задач;</a:t>
-            </a:r>
-          </a:p>
-          <a:p>
-            <a:pPr marL="285750" lvl="0" indent="-285750">
-              <a:buFont typeface="Wingdings" panose="05000000000000000000" pitchFamily="2" charset="2"/>
-              <a:buChar char="Ø"/>
-            </a:pPr>
-            <a:r>
-              <a:rPr lang="ru-RU" sz="1600" b="0" i="1" dirty="0">
+              <a:t>, Azure Cloud</a:t>
+            </a:r>
+            <a:r>
+              <a:rPr lang="ru-RU" sz="1600" b="0" dirty="0" smtClean="0">
                 <a:effectLst>
                   <a:outerShdw blurRad="38100" dist="38100" dir="2700000" algn="tl">
                     <a:srgbClr val="000000">
@@ -6794,16 +6889,10 @@
                   </a:outerShdw>
                 </a:effectLst>
               </a:rPr>
-              <a:t>назначение исполнителей для задач;</a:t>
-            </a:r>
-          </a:p>
-          <a:p>
-            <a:pPr marL="285750" lvl="0" indent="-285750">
-              <a:buFont typeface="Wingdings" panose="05000000000000000000" pitchFamily="2" charset="2"/>
-              <a:buChar char="Ø"/>
-            </a:pPr>
-            <a:r>
-              <a:rPr lang="ru-RU" sz="1600" b="0" i="1" dirty="0">
+              <a:t>) и получен опыт командной разработки с использованием системы контроля версий </a:t>
+            </a:r>
+            <a:r>
+              <a:rPr lang="en-US" sz="1600" b="0" dirty="0" smtClean="0">
                 <a:effectLst>
                   <a:outerShdw blurRad="38100" dist="38100" dir="2700000" algn="tl">
                     <a:srgbClr val="000000">
@@ -6812,45 +6901,9 @@
                   </a:outerShdw>
                 </a:effectLst>
               </a:rPr>
-              <a:t>контроль потраченного времени и ведение журнала работ;</a:t>
-            </a:r>
-          </a:p>
-          <a:p>
-            <a:pPr marL="285750" lvl="0" indent="-285750">
-              <a:buFont typeface="Wingdings" panose="05000000000000000000" pitchFamily="2" charset="2"/>
-              <a:buChar char="Ø"/>
-            </a:pPr>
-            <a:r>
-              <a:rPr lang="ru-RU" sz="1600" b="0" i="1" dirty="0">
-                <a:effectLst>
-                  <a:outerShdw blurRad="38100" dist="38100" dir="2700000" algn="tl">
-                    <a:srgbClr val="000000">
-                      <a:alpha val="43137"/>
-                    </a:srgbClr>
-                  </a:outerShdw>
-                </a:effectLst>
-              </a:rPr>
-              <a:t>загрузка документации для проекта;</a:t>
-            </a:r>
-          </a:p>
-          <a:p>
-            <a:pPr marL="285750" indent="-285750">
-              <a:buFont typeface="Wingdings" panose="05000000000000000000" pitchFamily="2" charset="2"/>
-              <a:buChar char="Ø"/>
-            </a:pPr>
-            <a:r>
-              <a:rPr lang="ru-RU" sz="1600" b="0" i="1" dirty="0">
-                <a:effectLst>
-                  <a:outerShdw blurRad="38100" dist="38100" dir="2700000" algn="tl">
-                    <a:srgbClr val="000000">
-                      <a:alpha val="43137"/>
-                    </a:srgbClr>
-                  </a:outerShdw>
-                </a:effectLst>
-              </a:rPr>
-              <a:t>просмотр информации по текущей команде и проектам</a:t>
-            </a:r>
-            <a:endParaRPr lang="ru-RU" sz="1600" b="0" i="1" dirty="0" smtClean="0">
+              <a:t>GitHub.</a:t>
+            </a:r>
+            <a:endParaRPr lang="ru-RU" sz="1600" b="0" dirty="0">
               <a:effectLst>
                 <a:outerShdw blurRad="38100" dist="38100" dir="2700000" algn="tl">
                   <a:srgbClr val="000000">
@@ -6861,6 +6914,10 @@
             </a:endParaRPr>
           </a:p>
           <a:p>
+            <a:pPr marL="285750" indent="-285750">
+              <a:buFont typeface="Wingdings" panose="05000000000000000000" pitchFamily="2" charset="2"/>
+              <a:buChar char="Ø"/>
+            </a:pPr>
             <a:endParaRPr lang="ru-RU" sz="1800" b="0" dirty="0">
               <a:effectLst>
                 <a:outerShdw blurRad="38100" dist="38100" dir="2700000" algn="tl">
@@ -8693,7 +8750,7 @@
           <a:graphicData uri="http://schemas.openxmlformats.org/presentationml/2006/ole">
             <mc:AlternateContent xmlns:mc="http://schemas.openxmlformats.org/markup-compatibility/2006">
               <mc:Choice xmlns:v="urn:schemas-microsoft-com:vml" Requires="v">
-                <p:oleObj spid="_x0000_s3089" name="Точечный рисунок" r:id="rId3" imgW="6144483" imgH="7039958" progId="Paint.Picture">
+                <p:oleObj spid="_x0000_s3093" name="Точечный рисунок" r:id="rId3" imgW="6144483" imgH="7039958" progId="Paint.Picture">
                   <p:embed/>
                 </p:oleObj>
               </mc:Choice>
@@ -9097,7 +9154,7 @@
           <a:graphicData uri="http://schemas.openxmlformats.org/presentationml/2006/ole">
             <mc:AlternateContent xmlns:mc="http://schemas.openxmlformats.org/markup-compatibility/2006">
               <mc:Choice xmlns:v="urn:schemas-microsoft-com:vml" Requires="v">
-                <p:oleObj spid="_x0000_s2064" name="Visio" r:id="rId3" imgW="3744787" imgH="3288109" progId="Visio.Drawing.11">
+                <p:oleObj spid="_x0000_s2068" name="Visio" r:id="rId3" imgW="3744787" imgH="3288109" progId="Visio.Drawing.11">
                   <p:embed/>
                 </p:oleObj>
               </mc:Choice>
@@ -9276,7 +9333,7 @@
           <a:graphicData uri="http://schemas.openxmlformats.org/presentationml/2006/ole">
             <mc:AlternateContent xmlns:mc="http://schemas.openxmlformats.org/markup-compatibility/2006">
               <mc:Choice xmlns:v="urn:schemas-microsoft-com:vml" Requires="v">
-                <p:oleObj spid="_x0000_s4111" name="Visio" r:id="rId3" imgW="2748516" imgH="2465149" progId="Visio.Drawing.11">
+                <p:oleObj spid="_x0000_s4115" name="Visio" r:id="rId3" imgW="2748516" imgH="2465149" progId="Visio.Drawing.11">
                   <p:embed/>
                 </p:oleObj>
               </mc:Choice>
@@ -9905,7 +9962,7 @@
           <a:graphicData uri="http://schemas.openxmlformats.org/presentationml/2006/ole">
             <mc:AlternateContent xmlns:mc="http://schemas.openxmlformats.org/markup-compatibility/2006">
               <mc:Choice xmlns:v="urn:schemas-microsoft-com:vml" Requires="v">
-                <p:oleObj spid="_x0000_s5136" name="Visio" r:id="rId3" imgW="3814962" imgH="3914390" progId="Visio.Drawing.11">
+                <p:oleObj spid="_x0000_s5140" name="Visio" r:id="rId3" imgW="3814962" imgH="3914390" progId="Visio.Drawing.11">
                   <p:embed/>
                 </p:oleObj>
               </mc:Choice>
@@ -10329,7 +10386,7 @@
           <a:graphicData uri="http://schemas.openxmlformats.org/presentationml/2006/ole">
             <mc:AlternateContent xmlns:mc="http://schemas.openxmlformats.org/markup-compatibility/2006">
               <mc:Choice xmlns:v="urn:schemas-microsoft-com:vml" Requires="v">
-                <p:oleObj spid="_x0000_s6159" name="Visio" r:id="rId3" imgW="3184983" imgH="5921155" progId="Visio.Drawing.11">
+                <p:oleObj spid="_x0000_s6163" name="Visio" r:id="rId3" imgW="3184983" imgH="5921155" progId="Visio.Drawing.11">
                   <p:embed/>
                 </p:oleObj>
               </mc:Choice>
